--- a/Calendario/Presentaciones/4_Jerarquia.pptx
+++ b/Calendario/Presentaciones/4_Jerarquia.pptx
@@ -225,7 +225,7 @@
           <a:p>
             <a:fld id="{2D445F07-8756-451B-A938-0248325FC7BB}" type="datetimeFigureOut">
               <a:rPr lang="es-MX" smtClean="0"/>
-              <a:t>17/01/2022</a:t>
+              <a:t>16/02/2022</a:t>
             </a:fld>
             <a:endParaRPr lang="es-MX" dirty="0"/>
           </a:p>
@@ -1430,7 +1430,7 @@
           <a:p>
             <a:fld id="{5E75A0DC-66C6-4CEC-A5EB-F8C97CEC3796}" type="datetimeFigureOut">
               <a:rPr lang="es-MX" smtClean="0"/>
-              <a:t>17/01/2022</a:t>
+              <a:t>16/02/2022</a:t>
             </a:fld>
             <a:endParaRPr lang="es-MX" dirty="0"/>
           </a:p>
@@ -1600,7 +1600,7 @@
           <a:p>
             <a:fld id="{5E75A0DC-66C6-4CEC-A5EB-F8C97CEC3796}" type="datetimeFigureOut">
               <a:rPr lang="es-MX" smtClean="0"/>
-              <a:t>17/01/2022</a:t>
+              <a:t>16/02/2022</a:t>
             </a:fld>
             <a:endParaRPr lang="es-MX" dirty="0"/>
           </a:p>
@@ -1780,7 +1780,7 @@
           <a:p>
             <a:fld id="{5E75A0DC-66C6-4CEC-A5EB-F8C97CEC3796}" type="datetimeFigureOut">
               <a:rPr lang="es-MX" smtClean="0"/>
-              <a:t>17/01/2022</a:t>
+              <a:t>16/02/2022</a:t>
             </a:fld>
             <a:endParaRPr lang="es-MX" dirty="0"/>
           </a:p>
@@ -1933,7 +1933,7 @@
           <a:p>
             <a:fld id="{1D8BD707-D9CF-40AE-B4C6-C98DA3205C09}" type="datetimeFigureOut">
               <a:rPr lang="en-US" smtClean="0"/>
-              <a:t>1/17/2022</a:t>
+              <a:t>2/16/2022</a:t>
             </a:fld>
             <a:endParaRPr lang="en-US"/>
           </a:p>
@@ -2057,7 +2057,7 @@
           <a:p>
             <a:fld id="{1D8BD707-D9CF-40AE-B4C6-C98DA3205C09}" type="datetimeFigureOut">
               <a:rPr lang="en-US" smtClean="0"/>
-              <a:t>1/17/2022</a:t>
+              <a:t>2/16/2022</a:t>
             </a:fld>
             <a:endParaRPr lang="en-US" dirty="0"/>
           </a:p>
@@ -2217,7 +2217,7 @@
           <a:p>
             <a:fld id="{5E75A0DC-66C6-4CEC-A5EB-F8C97CEC3796}" type="datetimeFigureOut">
               <a:rPr lang="es-MX" smtClean="0"/>
-              <a:t>17/01/2022</a:t>
+              <a:t>16/02/2022</a:t>
             </a:fld>
             <a:endParaRPr lang="es-MX" dirty="0"/>
           </a:p>
@@ -2463,7 +2463,7 @@
           <a:p>
             <a:fld id="{5E75A0DC-66C6-4CEC-A5EB-F8C97CEC3796}" type="datetimeFigureOut">
               <a:rPr lang="es-MX" smtClean="0"/>
-              <a:t>17/01/2022</a:t>
+              <a:t>16/02/2022</a:t>
             </a:fld>
             <a:endParaRPr lang="es-MX" dirty="0"/>
           </a:p>
@@ -2751,7 +2751,7 @@
           <a:p>
             <a:fld id="{5E75A0DC-66C6-4CEC-A5EB-F8C97CEC3796}" type="datetimeFigureOut">
               <a:rPr lang="es-MX" smtClean="0"/>
-              <a:t>17/01/2022</a:t>
+              <a:t>16/02/2022</a:t>
             </a:fld>
             <a:endParaRPr lang="es-MX" dirty="0"/>
           </a:p>
@@ -3173,7 +3173,7 @@
           <a:p>
             <a:fld id="{5E75A0DC-66C6-4CEC-A5EB-F8C97CEC3796}" type="datetimeFigureOut">
               <a:rPr lang="es-MX" smtClean="0"/>
-              <a:t>17/01/2022</a:t>
+              <a:t>16/02/2022</a:t>
             </a:fld>
             <a:endParaRPr lang="es-MX" dirty="0"/>
           </a:p>
@@ -3291,7 +3291,7 @@
           <a:p>
             <a:fld id="{5E75A0DC-66C6-4CEC-A5EB-F8C97CEC3796}" type="datetimeFigureOut">
               <a:rPr lang="es-MX" smtClean="0"/>
-              <a:t>17/01/2022</a:t>
+              <a:t>16/02/2022</a:t>
             </a:fld>
             <a:endParaRPr lang="es-MX" dirty="0"/>
           </a:p>
@@ -3386,7 +3386,7 @@
           <a:p>
             <a:fld id="{5E75A0DC-66C6-4CEC-A5EB-F8C97CEC3796}" type="datetimeFigureOut">
               <a:rPr lang="es-MX" smtClean="0"/>
-              <a:t>17/01/2022</a:t>
+              <a:t>16/02/2022</a:t>
             </a:fld>
             <a:endParaRPr lang="es-MX" dirty="0"/>
           </a:p>
@@ -3663,7 +3663,7 @@
           <a:p>
             <a:fld id="{5E75A0DC-66C6-4CEC-A5EB-F8C97CEC3796}" type="datetimeFigureOut">
               <a:rPr lang="es-MX" smtClean="0"/>
-              <a:t>17/01/2022</a:t>
+              <a:t>16/02/2022</a:t>
             </a:fld>
             <a:endParaRPr lang="es-MX" dirty="0"/>
           </a:p>
@@ -3916,7 +3916,7 @@
           <a:p>
             <a:fld id="{5E75A0DC-66C6-4CEC-A5EB-F8C97CEC3796}" type="datetimeFigureOut">
               <a:rPr lang="es-MX" smtClean="0"/>
-              <a:t>17/01/2022</a:t>
+              <a:t>16/02/2022</a:t>
             </a:fld>
             <a:endParaRPr lang="es-MX" dirty="0"/>
           </a:p>
@@ -4129,7 +4129,7 @@
           <a:p>
             <a:fld id="{5E75A0DC-66C6-4CEC-A5EB-F8C97CEC3796}" type="datetimeFigureOut">
               <a:rPr lang="es-MX" smtClean="0"/>
-              <a:t>17/01/2022</a:t>
+              <a:t>16/02/2022</a:t>
             </a:fld>
             <a:endParaRPr lang="es-MX" dirty="0"/>
           </a:p>
@@ -4524,7 +4524,7 @@
         </p:spPr>
         <p:txBody>
           <a:bodyPr rtlCol="0">
-            <a:normAutofit/>
+            <a:normAutofit fontScale="90000"/>
           </a:bodyPr>
           <a:lstStyle/>
           <a:p>
@@ -4542,7 +4542,7 @@
                   </a:schemeClr>
                 </a:solidFill>
               </a:rPr>
-              <a:t>CB00881 </a:t>
+              <a:t>TC1028 </a:t>
             </a:r>
             <a:br>
               <a:rPr lang="es-MX" sz="3200" dirty="0">
@@ -4561,7 +4561,7 @@
                   </a:schemeClr>
                 </a:solidFill>
               </a:rPr>
-              <a:t>Tecnologías de información emergentes</a:t>
+              <a:t>Pensamiento Computacional para Ingeniería</a:t>
             </a:r>
           </a:p>
         </p:txBody>
@@ -6278,7 +6278,7 @@
                 </a:solidFill>
                 <a:cs typeface="Calibri"/>
               </a:rPr>
-              <a:t>Operadores relacionales</a:t>
+              <a:t>Operadores relacionales o de comparación</a:t>
             </a:r>
           </a:p>
           <a:p>
@@ -7168,7 +7168,7 @@
                 </a:solidFill>
                 <a:cs typeface="Calibri"/>
               </a:rPr>
-              <a:t>Operadores comparativos:</a:t>
+              <a:t>Operadores relacionales:  </a:t>
             </a:r>
             <a:r>
               <a:rPr lang="es-MX" sz="2400" dirty="0">
@@ -7179,7 +7179,7 @@
                 </a:solidFill>
                 <a:cs typeface="Calibri"/>
               </a:rPr>
-              <a:t>  </a:t>
+              <a:t>   </a:t>
             </a:r>
             <a:r>
               <a:rPr lang="es-MX" sz="2400" b="1" u="sng" dirty="0">
